--- a/powerpoint_artifcats/cali-legend.pptx
+++ b/powerpoint_artifcats/cali-legend.pptx
@@ -105,6 +105,11 @@
       </a:defRPr>
     </a:lvl9pPr>
   </p:defaultTextStyle>
+  <p:extLst>
+    <p:ext uri="{EFAFB233-063F-42B5-8137-9DF3F51BA10A}">
+      <p15:sldGuideLst xmlns:p15="http://schemas.microsoft.com/office/powerpoint/2012/main"/>
+    </p:ext>
+  </p:extLst>
 </p:presentation>
 </file>
 
@@ -153,7 +158,6 @@
               <a:rPr lang="en-US"/>
               <a:t>Click to edit Master title style</a:t>
             </a:r>
-            <a:endParaRPr lang="en-US"/>
           </a:p>
         </p:txBody>
       </p:sp>
@@ -218,7 +222,6 @@
               <a:rPr lang="en-US"/>
               <a:t>Click to edit Master subtitle style</a:t>
             </a:r>
-            <a:endParaRPr lang="en-US"/>
           </a:p>
         </p:txBody>
       </p:sp>
@@ -336,7 +339,6 @@
               <a:rPr lang="en-US"/>
               <a:t>Click to edit Master title style</a:t>
             </a:r>
-            <a:endParaRPr lang="en-US"/>
           </a:p>
         </p:txBody>
       </p:sp>
@@ -388,7 +390,6 @@
               <a:rPr lang="en-US"/>
               <a:t>Fifth level</a:t>
             </a:r>
-            <a:endParaRPr lang="en-US"/>
           </a:p>
         </p:txBody>
       </p:sp>
@@ -511,7 +512,6 @@
               <a:rPr lang="en-US"/>
               <a:t>Click to edit Master title style</a:t>
             </a:r>
-            <a:endParaRPr lang="en-US"/>
           </a:p>
         </p:txBody>
       </p:sp>
@@ -568,7 +568,6 @@
               <a:rPr lang="en-US"/>
               <a:t>Fifth level</a:t>
             </a:r>
-            <a:endParaRPr lang="en-US"/>
           </a:p>
         </p:txBody>
       </p:sp>
@@ -686,7 +685,6 @@
               <a:rPr lang="en-US"/>
               <a:t>Click to edit Master title style</a:t>
             </a:r>
-            <a:endParaRPr lang="en-US"/>
           </a:p>
         </p:txBody>
       </p:sp>
@@ -738,7 +736,6 @@
               <a:rPr lang="en-US"/>
               <a:t>Fifth level</a:t>
             </a:r>
-            <a:endParaRPr lang="en-US"/>
           </a:p>
         </p:txBody>
       </p:sp>
@@ -865,7 +862,6 @@
               <a:rPr lang="en-US"/>
               <a:t>Click to edit Master title style</a:t>
             </a:r>
-            <a:endParaRPr lang="en-US"/>
           </a:p>
         </p:txBody>
       </p:sp>
@@ -1102,7 +1098,6 @@
               <a:rPr lang="en-US"/>
               <a:t>Click to edit Master title style</a:t>
             </a:r>
-            <a:endParaRPr lang="en-US"/>
           </a:p>
         </p:txBody>
       </p:sp>
@@ -1159,7 +1154,6 @@
               <a:rPr lang="en-US"/>
               <a:t>Fifth level</a:t>
             </a:r>
-            <a:endParaRPr lang="en-US"/>
           </a:p>
         </p:txBody>
       </p:sp>
@@ -1216,7 +1210,6 @@
               <a:rPr lang="en-US"/>
               <a:t>Fifth level</a:t>
             </a:r>
-            <a:endParaRPr lang="en-US"/>
           </a:p>
         </p:txBody>
       </p:sp>
@@ -1339,7 +1332,6 @@
               <a:rPr lang="en-US"/>
               <a:t>Click to edit Master title style</a:t>
             </a:r>
-            <a:endParaRPr lang="en-US"/>
           </a:p>
         </p:txBody>
       </p:sp>
@@ -1461,7 +1453,6 @@
               <a:rPr lang="en-US"/>
               <a:t>Fifth level</a:t>
             </a:r>
-            <a:endParaRPr lang="en-US"/>
           </a:p>
         </p:txBody>
       </p:sp>
@@ -1583,7 +1574,6 @@
               <a:rPr lang="en-US"/>
               <a:t>Fifth level</a:t>
             </a:r>
-            <a:endParaRPr lang="en-US"/>
           </a:p>
         </p:txBody>
       </p:sp>
@@ -1701,7 +1691,6 @@
               <a:rPr lang="en-US"/>
               <a:t>Click to edit Master title style</a:t>
             </a:r>
-            <a:endParaRPr lang="en-US"/>
           </a:p>
         </p:txBody>
       </p:sp>
@@ -1923,7 +1912,6 @@
               <a:rPr lang="en-US"/>
               <a:t>Click to edit Master title style</a:t>
             </a:r>
-            <a:endParaRPr lang="en-US"/>
           </a:p>
         </p:txBody>
       </p:sp>
@@ -2008,7 +1996,6 @@
               <a:rPr lang="en-US"/>
               <a:t>Fifth level</a:t>
             </a:r>
-            <a:endParaRPr lang="en-US"/>
           </a:p>
         </p:txBody>
       </p:sp>
@@ -2200,7 +2187,6 @@
               <a:rPr lang="en-US"/>
               <a:t>Click to edit Master title style</a:t>
             </a:r>
-            <a:endParaRPr lang="en-US"/>
           </a:p>
         </p:txBody>
       </p:sp>
@@ -2459,7 +2445,6 @@
               <a:rPr lang="en-US"/>
               <a:t>Click to edit Master title style</a:t>
             </a:r>
-            <a:endParaRPr lang="en-US"/>
           </a:p>
         </p:txBody>
       </p:sp>
@@ -2521,7 +2506,6 @@
               <a:rPr lang="en-US"/>
               <a:t>Fifth level</a:t>
             </a:r>
-            <a:endParaRPr lang="en-US"/>
           </a:p>
         </p:txBody>
       </p:sp>
@@ -2975,21 +2959,21 @@
             <p:ph idx="1"/>
             <p:extLst>
               <p:ext uri="{D42A27DB-BD31-4B8C-83A1-F6EECF244321}">
-                <p14:modId xmlns:p14="http://schemas.microsoft.com/office/powerpoint/2010/main" val="4163689558"/>
+                <p14:modId xmlns:p14="http://schemas.microsoft.com/office/powerpoint/2010/main" val="474803868"/>
               </p:ext>
             </p:extLst>
           </p:nvPr>
         </p:nvGraphicFramePr>
         <p:xfrm>
-          <a:off x="5048250" y="1938706"/>
-          <a:ext cx="2866292" cy="3261945"/>
+          <a:off x="5048251" y="1938706"/>
+          <a:ext cx="1642695" cy="2404695"/>
         </p:xfrm>
         <a:graphic>
           <a:graphicData uri="http://schemas.openxmlformats.org/drawingml/2006/table">
             <a:tbl>
               <a:tblPr/>
               <a:tblGrid>
-                <a:gridCol w="2866292">
+                <a:gridCol w="1642695">
                   <a:extLst>
                     <a:ext uri="{9D8B030D-6E8A-4147-A177-3AD203B41FA5}">
                       <a16:colId xmlns:a16="http://schemas.microsoft.com/office/drawing/2014/main" val="1260001142"/>
@@ -2997,7 +2981,7 @@
                   </a:extLst>
                 </a:gridCol>
               </a:tblGrid>
-              <a:tr h="652389">
+              <a:tr h="480939">
                 <a:tc>
                   <a:txBody>
                     <a:bodyPr/>
@@ -3005,7 +2989,7 @@
                     <a:p>
                       <a:pPr algn="ctr" fontAlgn="base"/>
                       <a:r>
-                        <a:rPr lang="en-US" sz="1600" dirty="0">
+                        <a:rPr lang="en-US" sz="1100" dirty="0">
                           <a:solidFill>
                             <a:srgbClr val="424242"/>
                           </a:solidFill>
@@ -3015,7 +2999,7 @@
                         <a:t>Abnormally</a:t>
                       </a:r>
                       <a:r>
-                        <a:rPr lang="en-US" sz="1600" baseline="0" dirty="0">
+                        <a:rPr lang="en-US" sz="1100" baseline="0" dirty="0">
                           <a:solidFill>
                             <a:srgbClr val="424242"/>
                           </a:solidFill>
@@ -3025,7 +3009,7 @@
                         <a:t> </a:t>
                       </a:r>
                       <a:r>
-                        <a:rPr lang="en-US" sz="1600" dirty="0">
+                        <a:rPr lang="en-US" sz="1100" dirty="0">
                           <a:solidFill>
                             <a:srgbClr val="424242"/>
                           </a:solidFill>
@@ -3036,7 +3020,7 @@
                       </a:r>
                     </a:p>
                   </a:txBody>
-                  <a:tcPr marL="6094" marR="6094" marT="6094" marB="6094" anchor="ctr">
+                  <a:tcPr marL="4525" marR="4525" marT="4525" marB="4525" anchor="ctr">
                     <a:lnL w="12700" cap="flat" cmpd="sng" algn="ctr">
                       <a:solidFill>
                         <a:schemeClr val="tx1"/>
@@ -3092,7 +3076,7 @@
                   </a:ext>
                 </a:extLst>
               </a:tr>
-              <a:tr h="652389">
+              <a:tr h="480939">
                 <a:tc>
                   <a:txBody>
                     <a:bodyPr/>
@@ -3100,7 +3084,7 @@
                     <a:p>
                       <a:pPr algn="ctr" fontAlgn="base"/>
                       <a:r>
-                        <a:rPr lang="en-US" sz="1600" dirty="0">
+                        <a:rPr lang="en-US" sz="1100" dirty="0">
                           <a:solidFill>
                             <a:srgbClr val="424242"/>
                           </a:solidFill>
@@ -3110,7 +3094,7 @@
                         <a:t>Moderate</a:t>
                       </a:r>
                       <a:r>
-                        <a:rPr lang="en-US" sz="1600" baseline="0" dirty="0">
+                        <a:rPr lang="en-US" sz="1100" baseline="0" dirty="0">
                           <a:solidFill>
                             <a:srgbClr val="424242"/>
                           </a:solidFill>
@@ -3120,7 +3104,7 @@
                         <a:t> </a:t>
                       </a:r>
                       <a:r>
-                        <a:rPr lang="en-US" sz="1600" dirty="0">
+                        <a:rPr lang="en-US" sz="1100" dirty="0">
                           <a:solidFill>
                             <a:srgbClr val="424242"/>
                           </a:solidFill>
@@ -3131,7 +3115,7 @@
                       </a:r>
                     </a:p>
                   </a:txBody>
-                  <a:tcPr marL="6094" marR="6094" marT="6094" marB="6094" anchor="ctr">
+                  <a:tcPr marL="4525" marR="4525" marT="4525" marB="4525" anchor="ctr">
                     <a:lnL w="12700" cap="flat" cmpd="sng" algn="ctr">
                       <a:solidFill>
                         <a:schemeClr val="tx1"/>
@@ -3187,7 +3171,7 @@
                   </a:ext>
                 </a:extLst>
               </a:tr>
-              <a:tr h="652389">
+              <a:tr h="480939">
                 <a:tc>
                   <a:txBody>
                     <a:bodyPr/>
@@ -3195,7 +3179,7 @@
                     <a:p>
                       <a:pPr algn="ctr" fontAlgn="base"/>
                       <a:r>
-                        <a:rPr lang="en-US" sz="1600" dirty="0">
+                        <a:rPr lang="en-US" sz="1100" dirty="0">
                           <a:solidFill>
                             <a:srgbClr val="424242"/>
                           </a:solidFill>
@@ -3205,7 +3189,7 @@
                         <a:t>Severe</a:t>
                       </a:r>
                       <a:r>
-                        <a:rPr lang="en-US" sz="1600" baseline="0" dirty="0">
+                        <a:rPr lang="en-US" sz="1100" baseline="0" dirty="0">
                           <a:solidFill>
                             <a:srgbClr val="424242"/>
                           </a:solidFill>
@@ -3215,7 +3199,7 @@
                         <a:t> </a:t>
                       </a:r>
                       <a:r>
-                        <a:rPr lang="en-US" sz="1600" dirty="0">
+                        <a:rPr lang="en-US" sz="1100" dirty="0">
                           <a:solidFill>
                             <a:srgbClr val="424242"/>
                           </a:solidFill>
@@ -3226,7 +3210,7 @@
                       </a:r>
                     </a:p>
                   </a:txBody>
-                  <a:tcPr marL="6094" marR="6094" marT="6094" marB="6094" anchor="ctr">
+                  <a:tcPr marL="4525" marR="4525" marT="4525" marB="4525" anchor="ctr">
                     <a:lnL w="12700" cap="flat" cmpd="sng" algn="ctr">
                       <a:solidFill>
                         <a:schemeClr val="tx1"/>
@@ -3282,7 +3266,7 @@
                   </a:ext>
                 </a:extLst>
               </a:tr>
-              <a:tr h="652389">
+              <a:tr h="480939">
                 <a:tc>
                   <a:txBody>
                     <a:bodyPr/>
@@ -3290,7 +3274,7 @@
                     <a:p>
                       <a:pPr algn="ctr" fontAlgn="base"/>
                       <a:r>
-                        <a:rPr lang="en-US" sz="1600" dirty="0">
+                        <a:rPr lang="en-US" sz="1100" dirty="0">
                           <a:solidFill>
                             <a:srgbClr val="FFFFFF"/>
                           </a:solidFill>
@@ -3300,7 +3284,7 @@
                         <a:t>Extreme</a:t>
                       </a:r>
                       <a:r>
-                        <a:rPr lang="en-US" sz="1600" baseline="0" dirty="0">
+                        <a:rPr lang="en-US" sz="1100" baseline="0" dirty="0">
                           <a:solidFill>
                             <a:srgbClr val="FFFFFF"/>
                           </a:solidFill>
@@ -3310,7 +3294,7 @@
                         <a:t> </a:t>
                       </a:r>
                       <a:r>
-                        <a:rPr lang="en-US" sz="1600" dirty="0">
+                        <a:rPr lang="en-US" sz="1100" dirty="0">
                           <a:solidFill>
                             <a:srgbClr val="FFFFFF"/>
                           </a:solidFill>
@@ -3321,7 +3305,7 @@
                       </a:r>
                     </a:p>
                   </a:txBody>
-                  <a:tcPr marL="6094" marR="6094" marT="6094" marB="6094" anchor="ctr">
+                  <a:tcPr marL="4525" marR="4525" marT="4525" marB="4525" anchor="ctr">
                     <a:lnL w="12700" cap="flat" cmpd="sng" algn="ctr">
                       <a:solidFill>
                         <a:schemeClr val="tx1"/>
@@ -3377,7 +3361,7 @@
                   </a:ext>
                 </a:extLst>
               </a:tr>
-              <a:tr h="652389">
+              <a:tr h="480939">
                 <a:tc>
                   <a:txBody>
                     <a:bodyPr/>
@@ -3385,7 +3369,7 @@
                     <a:p>
                       <a:pPr algn="ctr" fontAlgn="base"/>
                       <a:r>
-                        <a:rPr lang="en-US" sz="1600" dirty="0">
+                        <a:rPr lang="en-US" sz="1100" dirty="0">
                           <a:solidFill>
                             <a:srgbClr val="FFFFFF"/>
                           </a:solidFill>
@@ -3396,7 +3380,7 @@
                       </a:r>
                     </a:p>
                   </a:txBody>
-                  <a:tcPr marL="6094" marR="6094" marT="6094" marB="6094" anchor="ctr">
+                  <a:tcPr marL="4525" marR="4525" marT="4525" marB="4525" anchor="ctr">
                     <a:lnL w="12700" cap="flat" cmpd="sng" algn="ctr">
                       <a:solidFill>
                         <a:schemeClr val="tx1"/>
